--- a/Дорожная карта.pptx
+++ b/Дорожная карта.pptx
@@ -104,6 +104,11 @@
       </a:defRPr>
     </a:lvl9pPr>
   </p:defaultTextStyle>
+  <p:extLst>
+    <p:ext uri="{EFAFB233-063F-42B5-8137-9DF3F51BA10A}">
+      <p15:sldGuideLst xmlns:p15="http://schemas.microsoft.com/office/powerpoint/2012/main"/>
+    </p:ext>
+  </p:extLst>
 </p:presentation>
 </file>
 
@@ -238,7 +243,7 @@
           <a:p>
             <a:fld id="{21ECC57A-CD5B-468F-98ED-DEF05E34A00F}" type="datetimeFigureOut">
               <a:rPr lang="ru-RU" smtClean="0"/>
-              <a:t>19.02.2024</a:t>
+              <a:t>20.02.2024</a:t>
             </a:fld>
             <a:endParaRPr lang="ru-RU"/>
           </a:p>
@@ -408,7 +413,7 @@
           <a:p>
             <a:fld id="{21ECC57A-CD5B-468F-98ED-DEF05E34A00F}" type="datetimeFigureOut">
               <a:rPr lang="ru-RU" smtClean="0"/>
-              <a:t>19.02.2024</a:t>
+              <a:t>20.02.2024</a:t>
             </a:fld>
             <a:endParaRPr lang="ru-RU"/>
           </a:p>
@@ -588,7 +593,7 @@
           <a:p>
             <a:fld id="{21ECC57A-CD5B-468F-98ED-DEF05E34A00F}" type="datetimeFigureOut">
               <a:rPr lang="ru-RU" smtClean="0"/>
-              <a:t>19.02.2024</a:t>
+              <a:t>20.02.2024</a:t>
             </a:fld>
             <a:endParaRPr lang="ru-RU"/>
           </a:p>
@@ -758,7 +763,7 @@
           <a:p>
             <a:fld id="{21ECC57A-CD5B-468F-98ED-DEF05E34A00F}" type="datetimeFigureOut">
               <a:rPr lang="ru-RU" smtClean="0"/>
-              <a:t>19.02.2024</a:t>
+              <a:t>20.02.2024</a:t>
             </a:fld>
             <a:endParaRPr lang="ru-RU"/>
           </a:p>
@@ -1004,7 +1009,7 @@
           <a:p>
             <a:fld id="{21ECC57A-CD5B-468F-98ED-DEF05E34A00F}" type="datetimeFigureOut">
               <a:rPr lang="ru-RU" smtClean="0"/>
-              <a:t>19.02.2024</a:t>
+              <a:t>20.02.2024</a:t>
             </a:fld>
             <a:endParaRPr lang="ru-RU"/>
           </a:p>
@@ -1236,7 +1241,7 @@
           <a:p>
             <a:fld id="{21ECC57A-CD5B-468F-98ED-DEF05E34A00F}" type="datetimeFigureOut">
               <a:rPr lang="ru-RU" smtClean="0"/>
-              <a:t>19.02.2024</a:t>
+              <a:t>20.02.2024</a:t>
             </a:fld>
             <a:endParaRPr lang="ru-RU"/>
           </a:p>
@@ -1603,7 +1608,7 @@
           <a:p>
             <a:fld id="{21ECC57A-CD5B-468F-98ED-DEF05E34A00F}" type="datetimeFigureOut">
               <a:rPr lang="ru-RU" smtClean="0"/>
-              <a:t>19.02.2024</a:t>
+              <a:t>20.02.2024</a:t>
             </a:fld>
             <a:endParaRPr lang="ru-RU"/>
           </a:p>
@@ -1721,7 +1726,7 @@
           <a:p>
             <a:fld id="{21ECC57A-CD5B-468F-98ED-DEF05E34A00F}" type="datetimeFigureOut">
               <a:rPr lang="ru-RU" smtClean="0"/>
-              <a:t>19.02.2024</a:t>
+              <a:t>20.02.2024</a:t>
             </a:fld>
             <a:endParaRPr lang="ru-RU"/>
           </a:p>
@@ -1816,7 +1821,7 @@
           <a:p>
             <a:fld id="{21ECC57A-CD5B-468F-98ED-DEF05E34A00F}" type="datetimeFigureOut">
               <a:rPr lang="ru-RU" smtClean="0"/>
-              <a:t>19.02.2024</a:t>
+              <a:t>20.02.2024</a:t>
             </a:fld>
             <a:endParaRPr lang="ru-RU"/>
           </a:p>
@@ -2093,7 +2098,7 @@
           <a:p>
             <a:fld id="{21ECC57A-CD5B-468F-98ED-DEF05E34A00F}" type="datetimeFigureOut">
               <a:rPr lang="ru-RU" smtClean="0"/>
-              <a:t>19.02.2024</a:t>
+              <a:t>20.02.2024</a:t>
             </a:fld>
             <a:endParaRPr lang="ru-RU"/>
           </a:p>
@@ -2346,7 +2351,7 @@
           <a:p>
             <a:fld id="{21ECC57A-CD5B-468F-98ED-DEF05E34A00F}" type="datetimeFigureOut">
               <a:rPr lang="ru-RU" smtClean="0"/>
-              <a:t>19.02.2024</a:t>
+              <a:t>20.02.2024</a:t>
             </a:fld>
             <a:endParaRPr lang="ru-RU"/>
           </a:p>
@@ -2559,7 +2564,7 @@
           <a:p>
             <a:fld id="{21ECC57A-CD5B-468F-98ED-DEF05E34A00F}" type="datetimeFigureOut">
               <a:rPr lang="ru-RU" smtClean="0"/>
-              <a:t>19.02.2024</a:t>
+              <a:t>20.02.2024</a:t>
             </a:fld>
             <a:endParaRPr lang="ru-RU"/>
           </a:p>
@@ -3026,15 +3031,7 @@
             <a:pPr algn="ctr"/>
             <a:r>
               <a:rPr lang="ru-RU" dirty="0" smtClean="0"/>
-              <a:t>Обработка </a:t>
-            </a:r>
-            <a:r>
-              <a:rPr lang="ru-RU" dirty="0" smtClean="0"/>
-              <a:t>набора</a:t>
-            </a:r>
-            <a:r>
-              <a:rPr lang="ru-RU" dirty="0" smtClean="0"/>
-              <a:t> данных</a:t>
+              <a:t>Обработка набора данных</a:t>
             </a:r>
             <a:endParaRPr lang="ru-RU" dirty="0"/>
           </a:p>
@@ -3170,11 +3167,7 @@
             <a:pPr algn="ctr"/>
             <a:r>
               <a:rPr lang="ru-RU" dirty="0" smtClean="0"/>
-              <a:t>Выбор модели </a:t>
-            </a:r>
-            <a:r>
-              <a:rPr lang="ru-RU" dirty="0" smtClean="0"/>
-              <a:t>машинного обучения</a:t>
+              <a:t>Выбор модели машинного обучения</a:t>
             </a:r>
             <a:endParaRPr lang="ru-RU" dirty="0"/>
           </a:p>
@@ -4402,82 +4395,6 @@
           <a:ln>
             <a:tailEnd type="triangle"/>
           </a:ln>
-        </p:spPr>
-        <p:style>
-          <a:lnRef idx="1">
-            <a:schemeClr val="dk1"/>
-          </a:lnRef>
-          <a:fillRef idx="0">
-            <a:schemeClr val="dk1"/>
-          </a:fillRef>
-          <a:effectRef idx="0">
-            <a:schemeClr val="dk1"/>
-          </a:effectRef>
-          <a:fontRef idx="minor">
-            <a:schemeClr val="tx1"/>
-          </a:fontRef>
-        </p:style>
-      </p:cxnSp>
-      <p:sp>
-        <p:nvSpPr>
-          <p:cNvPr id="215" name="TextBox 214"/>
-          <p:cNvSpPr txBox="1"/>
-          <p:nvPr/>
-        </p:nvSpPr>
-        <p:spPr>
-          <a:xfrm>
-            <a:off x="6729577" y="3014665"/>
-            <a:ext cx="2692404" cy="646331"/>
-          </a:xfrm>
-          <a:prstGeom prst="rect">
-            <a:avLst/>
-          </a:prstGeom>
-          <a:noFill/>
-          <a:ln>
-            <a:solidFill>
-              <a:schemeClr val="tx1"/>
-            </a:solidFill>
-          </a:ln>
-        </p:spPr>
-        <p:txBody>
-          <a:bodyPr wrap="none" rtlCol="0">
-            <a:spAutoFit/>
-          </a:bodyPr>
-          <a:lstStyle/>
-          <a:p>
-            <a:pPr algn="ctr"/>
-            <a:r>
-              <a:rPr lang="ru-RU" dirty="0" smtClean="0"/>
-              <a:t>Цвет иконки приложения</a:t>
-            </a:r>
-          </a:p>
-          <a:p>
-            <a:pPr algn="ctr"/>
-            <a:r>
-              <a:rPr lang="ru-RU" dirty="0" smtClean="0"/>
-              <a:t>(серый – временный)</a:t>
-            </a:r>
-            <a:endParaRPr lang="ru-RU" dirty="0"/>
-          </a:p>
-        </p:txBody>
-      </p:sp>
-      <p:cxnSp>
-        <p:nvCxnSpPr>
-          <p:cNvPr id="217" name="Прямая соединительная линия 216"/>
-          <p:cNvCxnSpPr>
-            <a:stCxn id="9" idx="1"/>
-            <a:endCxn id="215" idx="3"/>
-          </p:cNvCxnSpPr>
-          <p:nvPr/>
-        </p:nvCxnSpPr>
-        <p:spPr>
-          <a:xfrm flipH="1">
-            <a:off x="9421981" y="3337831"/>
-            <a:ext cx="465973" cy="0"/>
-          </a:xfrm>
-          <a:prstGeom prst="line">
-            <a:avLst/>
-          </a:prstGeom>
         </p:spPr>
         <p:style>
           <a:lnRef idx="1">

--- a/Дорожная карта.pptx
+++ b/Дорожная карта.pptx
@@ -5,7 +5,9 @@
     <p:sldMasterId id="2147483648" r:id="rId1"/>
   </p:sldMasterIdLst>
   <p:sldIdLst>
-    <p:sldId id="257" r:id="rId2"/>
+    <p:sldId id="262" r:id="rId2"/>
+    <p:sldId id="261" r:id="rId3"/>
+    <p:sldId id="257" r:id="rId4"/>
   </p:sldIdLst>
   <p:sldSz cx="12192000" cy="6858000"/>
   <p:notesSz cx="6858000" cy="9144000"/>
@@ -2969,6 +2971,543 @@
           <a:chExt cx="0" cy="0"/>
         </a:xfrm>
       </p:grpSpPr>
+      <p:pic>
+        <p:nvPicPr>
+          <p:cNvPr id="2" name="Рисунок 1"/>
+          <p:cNvPicPr>
+            <a:picLocks noChangeAspect="1"/>
+          </p:cNvPicPr>
+          <p:nvPr/>
+        </p:nvPicPr>
+        <p:blipFill>
+          <a:blip r:embed="rId2">
+            <a:extLst>
+              <a:ext uri="{28A0092B-C50C-407E-A947-70E740481C1C}">
+                <a14:useLocalDpi xmlns:a14="http://schemas.microsoft.com/office/drawing/2010/main" val="0"/>
+              </a:ext>
+            </a:extLst>
+          </a:blip>
+          <a:stretch>
+            <a:fillRect/>
+          </a:stretch>
+        </p:blipFill>
+        <p:spPr>
+          <a:xfrm>
+            <a:off x="652635" y="1029047"/>
+            <a:ext cx="5267325" cy="4533900"/>
+          </a:xfrm>
+          <a:prstGeom prst="rect">
+            <a:avLst/>
+          </a:prstGeom>
+        </p:spPr>
+      </p:pic>
+      <p:sp>
+        <p:nvSpPr>
+          <p:cNvPr id="13" name="Скругленный прямоугольник 12"/>
+          <p:cNvSpPr/>
+          <p:nvPr/>
+        </p:nvSpPr>
+        <p:spPr>
+          <a:xfrm>
+            <a:off x="7980215" y="1029047"/>
+            <a:ext cx="1862051" cy="1041861"/>
+          </a:xfrm>
+          <a:prstGeom prst="roundRect">
+            <a:avLst/>
+          </a:prstGeom>
+        </p:spPr>
+        <p:style>
+          <a:lnRef idx="2">
+            <a:schemeClr val="accent1">
+              <a:shade val="50000"/>
+            </a:schemeClr>
+          </a:lnRef>
+          <a:fillRef idx="1">
+            <a:schemeClr val="accent1"/>
+          </a:fillRef>
+          <a:effectRef idx="0">
+            <a:schemeClr val="accent1"/>
+          </a:effectRef>
+          <a:fontRef idx="minor">
+            <a:schemeClr val="lt1"/>
+          </a:fontRef>
+        </p:style>
+        <p:txBody>
+          <a:bodyPr rtlCol="0" anchor="ctr"/>
+          <a:lstStyle/>
+          <a:p>
+            <a:pPr algn="ctr"/>
+            <a:r>
+              <a:rPr lang="ru-RU" dirty="0" smtClean="0"/>
+              <a:t>Обучение на наборе данных</a:t>
+            </a:r>
+            <a:endParaRPr lang="ru-RU" dirty="0"/>
+          </a:p>
+        </p:txBody>
+      </p:sp>
+      <p:sp>
+        <p:nvSpPr>
+          <p:cNvPr id="14" name="Скругленный прямоугольник 13"/>
+          <p:cNvSpPr/>
+          <p:nvPr/>
+        </p:nvSpPr>
+        <p:spPr>
+          <a:xfrm>
+            <a:off x="7980216" y="2775066"/>
+            <a:ext cx="1862050" cy="1041861"/>
+          </a:xfrm>
+          <a:prstGeom prst="roundRect">
+            <a:avLst/>
+          </a:prstGeom>
+        </p:spPr>
+        <p:style>
+          <a:lnRef idx="2">
+            <a:schemeClr val="accent1">
+              <a:shade val="50000"/>
+            </a:schemeClr>
+          </a:lnRef>
+          <a:fillRef idx="1">
+            <a:schemeClr val="accent1"/>
+          </a:fillRef>
+          <a:effectRef idx="0">
+            <a:schemeClr val="accent1"/>
+          </a:effectRef>
+          <a:fontRef idx="minor">
+            <a:schemeClr val="lt1"/>
+          </a:fontRef>
+        </p:style>
+        <p:txBody>
+          <a:bodyPr rtlCol="0" anchor="ctr"/>
+          <a:lstStyle/>
+          <a:p>
+            <a:pPr algn="ctr"/>
+            <a:r>
+              <a:rPr lang="ru-RU" dirty="0" smtClean="0"/>
+              <a:t>Кросс </a:t>
+            </a:r>
+            <a:r>
+              <a:rPr lang="ru-RU" dirty="0" err="1" smtClean="0"/>
+              <a:t>валидация</a:t>
+            </a:r>
+            <a:endParaRPr lang="ru-RU" dirty="0"/>
+          </a:p>
+        </p:txBody>
+      </p:sp>
+      <p:sp>
+        <p:nvSpPr>
+          <p:cNvPr id="15" name="Скругленный прямоугольник 14"/>
+          <p:cNvSpPr/>
+          <p:nvPr/>
+        </p:nvSpPr>
+        <p:spPr>
+          <a:xfrm>
+            <a:off x="7980216" y="4521086"/>
+            <a:ext cx="1862051" cy="1041861"/>
+          </a:xfrm>
+          <a:prstGeom prst="roundRect">
+            <a:avLst/>
+          </a:prstGeom>
+        </p:spPr>
+        <p:style>
+          <a:lnRef idx="2">
+            <a:schemeClr val="accent1">
+              <a:shade val="50000"/>
+            </a:schemeClr>
+          </a:lnRef>
+          <a:fillRef idx="1">
+            <a:schemeClr val="accent1"/>
+          </a:fillRef>
+          <a:effectRef idx="0">
+            <a:schemeClr val="accent1"/>
+          </a:effectRef>
+          <a:fontRef idx="minor">
+            <a:schemeClr val="lt1"/>
+          </a:fontRef>
+        </p:style>
+        <p:txBody>
+          <a:bodyPr rtlCol="0" anchor="ctr"/>
+          <a:lstStyle/>
+          <a:p>
+            <a:pPr algn="ctr"/>
+            <a:r>
+              <a:rPr lang="ru-RU" dirty="0" smtClean="0"/>
+              <a:t>Идентификация человека</a:t>
+            </a:r>
+            <a:endParaRPr lang="ru-RU" dirty="0"/>
+          </a:p>
+        </p:txBody>
+      </p:sp>
+      <p:cxnSp>
+        <p:nvCxnSpPr>
+          <p:cNvPr id="17" name="Прямая со стрелкой 16"/>
+          <p:cNvCxnSpPr>
+            <a:stCxn id="13" idx="2"/>
+            <a:endCxn id="14" idx="0"/>
+          </p:cNvCxnSpPr>
+          <p:nvPr/>
+        </p:nvCxnSpPr>
+        <p:spPr>
+          <a:xfrm>
+            <a:off x="8911241" y="2070908"/>
+            <a:ext cx="0" cy="704158"/>
+          </a:xfrm>
+          <a:prstGeom prst="straightConnector1">
+            <a:avLst/>
+          </a:prstGeom>
+          <a:ln>
+            <a:tailEnd type="triangle"/>
+          </a:ln>
+        </p:spPr>
+        <p:style>
+          <a:lnRef idx="1">
+            <a:schemeClr val="dk1"/>
+          </a:lnRef>
+          <a:fillRef idx="0">
+            <a:schemeClr val="dk1"/>
+          </a:fillRef>
+          <a:effectRef idx="0">
+            <a:schemeClr val="dk1"/>
+          </a:effectRef>
+          <a:fontRef idx="minor">
+            <a:schemeClr val="tx1"/>
+          </a:fontRef>
+        </p:style>
+      </p:cxnSp>
+      <p:cxnSp>
+        <p:nvCxnSpPr>
+          <p:cNvPr id="19" name="Прямая со стрелкой 18"/>
+          <p:cNvCxnSpPr>
+            <a:stCxn id="14" idx="2"/>
+            <a:endCxn id="15" idx="0"/>
+          </p:cNvCxnSpPr>
+          <p:nvPr/>
+        </p:nvCxnSpPr>
+        <p:spPr>
+          <a:xfrm>
+            <a:off x="8911241" y="3816927"/>
+            <a:ext cx="1" cy="704159"/>
+          </a:xfrm>
+          <a:prstGeom prst="straightConnector1">
+            <a:avLst/>
+          </a:prstGeom>
+          <a:ln>
+            <a:tailEnd type="triangle"/>
+          </a:ln>
+        </p:spPr>
+        <p:style>
+          <a:lnRef idx="1">
+            <a:schemeClr val="dk1"/>
+          </a:lnRef>
+          <a:fillRef idx="0">
+            <a:schemeClr val="dk1"/>
+          </a:fillRef>
+          <a:effectRef idx="0">
+            <a:schemeClr val="dk1"/>
+          </a:effectRef>
+          <a:fontRef idx="minor">
+            <a:schemeClr val="tx1"/>
+          </a:fontRef>
+        </p:style>
+      </p:cxnSp>
+      <p:cxnSp>
+        <p:nvCxnSpPr>
+          <p:cNvPr id="21" name="Соединительная линия уступом 20"/>
+          <p:cNvCxnSpPr>
+            <a:endCxn id="13" idx="1"/>
+          </p:cNvCxnSpPr>
+          <p:nvPr/>
+        </p:nvCxnSpPr>
+        <p:spPr>
+          <a:xfrm flipV="1">
+            <a:off x="5919960" y="1549978"/>
+            <a:ext cx="2060255" cy="520930"/>
+          </a:xfrm>
+          <a:prstGeom prst="bentConnector3">
+            <a:avLst/>
+          </a:prstGeom>
+          <a:ln>
+            <a:tailEnd type="triangle"/>
+          </a:ln>
+        </p:spPr>
+        <p:style>
+          <a:lnRef idx="1">
+            <a:schemeClr val="dk1"/>
+          </a:lnRef>
+          <a:fillRef idx="0">
+            <a:schemeClr val="dk1"/>
+          </a:fillRef>
+          <a:effectRef idx="0">
+            <a:schemeClr val="dk1"/>
+          </a:effectRef>
+          <a:fontRef idx="minor">
+            <a:schemeClr val="tx1"/>
+          </a:fontRef>
+        </p:style>
+      </p:cxnSp>
+      <p:cxnSp>
+        <p:nvCxnSpPr>
+          <p:cNvPr id="23" name="Соединительная линия уступом 22"/>
+          <p:cNvCxnSpPr>
+            <a:endCxn id="14" idx="1"/>
+          </p:cNvCxnSpPr>
+          <p:nvPr/>
+        </p:nvCxnSpPr>
+        <p:spPr>
+          <a:xfrm>
+            <a:off x="5919960" y="2892829"/>
+            <a:ext cx="2060256" cy="403168"/>
+          </a:xfrm>
+          <a:prstGeom prst="bentConnector3">
+            <a:avLst/>
+          </a:prstGeom>
+          <a:ln>
+            <a:tailEnd type="triangle"/>
+          </a:ln>
+        </p:spPr>
+        <p:style>
+          <a:lnRef idx="1">
+            <a:schemeClr val="dk1"/>
+          </a:lnRef>
+          <a:fillRef idx="0">
+            <a:schemeClr val="dk1"/>
+          </a:fillRef>
+          <a:effectRef idx="0">
+            <a:schemeClr val="dk1"/>
+          </a:effectRef>
+          <a:fontRef idx="minor">
+            <a:schemeClr val="tx1"/>
+          </a:fontRef>
+        </p:style>
+      </p:cxnSp>
+      <p:cxnSp>
+        <p:nvCxnSpPr>
+          <p:cNvPr id="27" name="Соединительная линия уступом 26"/>
+          <p:cNvCxnSpPr>
+            <a:endCxn id="15" idx="1"/>
+          </p:cNvCxnSpPr>
+          <p:nvPr/>
+        </p:nvCxnSpPr>
+        <p:spPr>
+          <a:xfrm rot="16200000" flipH="1">
+            <a:off x="5342289" y="2404090"/>
+            <a:ext cx="3364578" cy="1911275"/>
+          </a:xfrm>
+          <a:prstGeom prst="bentConnector2">
+            <a:avLst/>
+          </a:prstGeom>
+          <a:ln>
+            <a:tailEnd type="triangle"/>
+          </a:ln>
+        </p:spPr>
+        <p:style>
+          <a:lnRef idx="1">
+            <a:schemeClr val="dk1"/>
+          </a:lnRef>
+          <a:fillRef idx="0">
+            <a:schemeClr val="dk1"/>
+          </a:fillRef>
+          <a:effectRef idx="0">
+            <a:schemeClr val="dk1"/>
+          </a:effectRef>
+          <a:fontRef idx="minor">
+            <a:schemeClr val="tx1"/>
+          </a:fontRef>
+        </p:style>
+      </p:cxnSp>
+      <p:cxnSp>
+        <p:nvCxnSpPr>
+          <p:cNvPr id="32" name="Прямая соединительная линия 31"/>
+          <p:cNvCxnSpPr/>
+          <p:nvPr/>
+        </p:nvCxnSpPr>
+        <p:spPr>
+          <a:xfrm>
+            <a:off x="5919960" y="1677439"/>
+            <a:ext cx="148981" cy="0"/>
+          </a:xfrm>
+          <a:prstGeom prst="line">
+            <a:avLst/>
+          </a:prstGeom>
+        </p:spPr>
+        <p:style>
+          <a:lnRef idx="1">
+            <a:schemeClr val="dk1"/>
+          </a:lnRef>
+          <a:fillRef idx="0">
+            <a:schemeClr val="dk1"/>
+          </a:fillRef>
+          <a:effectRef idx="0">
+            <a:schemeClr val="dk1"/>
+          </a:effectRef>
+          <a:fontRef idx="minor">
+            <a:schemeClr val="tx1"/>
+          </a:fontRef>
+        </p:style>
+      </p:cxnSp>
+    </p:spTree>
+    <p:extLst>
+      <p:ext uri="{BB962C8B-B14F-4D97-AF65-F5344CB8AC3E}">
+        <p14:creationId xmlns:p14="http://schemas.microsoft.com/office/powerpoint/2010/main" val="310710847"/>
+      </p:ext>
+    </p:extLst>
+  </p:cSld>
+  <p:clrMapOvr>
+    <a:masterClrMapping/>
+  </p:clrMapOvr>
+  <p:timing>
+    <p:tnLst>
+      <p:par>
+        <p:cTn id="1" dur="indefinite" restart="never" nodeType="tmRoot"/>
+      </p:par>
+    </p:tnLst>
+  </p:timing>
+</p:sld>
+</file>
+
+<file path=ppt/slides/slide2.xml><?xml version="1.0" encoding="utf-8"?>
+<p:sld xmlns:a="http://schemas.openxmlformats.org/drawingml/2006/main" xmlns:r="http://schemas.openxmlformats.org/officeDocument/2006/relationships" xmlns:p="http://schemas.openxmlformats.org/presentationml/2006/main">
+  <p:cSld>
+    <p:spTree>
+      <p:nvGrpSpPr>
+        <p:cNvPr id="1" name=""/>
+        <p:cNvGrpSpPr/>
+        <p:nvPr/>
+      </p:nvGrpSpPr>
+      <p:grpSpPr>
+        <a:xfrm>
+          <a:off x="0" y="0"/>
+          <a:ext cx="0" cy="0"/>
+          <a:chOff x="0" y="0"/>
+          <a:chExt cx="0" cy="0"/>
+        </a:xfrm>
+      </p:grpSpPr>
+      <p:pic>
+        <p:nvPicPr>
+          <p:cNvPr id="2" name="Рисунок 1"/>
+          <p:cNvPicPr>
+            <a:picLocks noChangeAspect="1"/>
+          </p:cNvPicPr>
+          <p:nvPr/>
+        </p:nvPicPr>
+        <p:blipFill>
+          <a:blip r:embed="rId2">
+            <a:extLst>
+              <a:ext uri="{28A0092B-C50C-407E-A947-70E740481C1C}">
+                <a14:useLocalDpi xmlns:a14="http://schemas.microsoft.com/office/drawing/2010/main" val="0"/>
+              </a:ext>
+            </a:extLst>
+          </a:blip>
+          <a:stretch>
+            <a:fillRect/>
+          </a:stretch>
+        </p:blipFill>
+        <p:spPr>
+          <a:xfrm>
+            <a:off x="4351798" y="1695190"/>
+            <a:ext cx="3488403" cy="3488403"/>
+          </a:xfrm>
+          <a:prstGeom prst="rect">
+            <a:avLst/>
+          </a:prstGeom>
+        </p:spPr>
+      </p:pic>
+      <p:pic>
+        <p:nvPicPr>
+          <p:cNvPr id="3" name="Рисунок 2"/>
+          <p:cNvPicPr>
+            <a:picLocks noChangeAspect="1"/>
+          </p:cNvPicPr>
+          <p:nvPr/>
+        </p:nvPicPr>
+        <p:blipFill>
+          <a:blip r:embed="rId3">
+            <a:extLst>
+              <a:ext uri="{28A0092B-C50C-407E-A947-70E740481C1C}">
+                <a14:useLocalDpi xmlns:a14="http://schemas.microsoft.com/office/drawing/2010/main" val="0"/>
+              </a:ext>
+            </a:extLst>
+          </a:blip>
+          <a:stretch>
+            <a:fillRect/>
+          </a:stretch>
+        </p:blipFill>
+        <p:spPr>
+          <a:xfrm>
+            <a:off x="8499935" y="1683024"/>
+            <a:ext cx="3492560" cy="3491952"/>
+          </a:xfrm>
+          <a:prstGeom prst="rect">
+            <a:avLst/>
+          </a:prstGeom>
+        </p:spPr>
+      </p:pic>
+      <p:pic>
+        <p:nvPicPr>
+          <p:cNvPr id="4" name="Рисунок 3"/>
+          <p:cNvPicPr>
+            <a:picLocks noChangeAspect="1"/>
+          </p:cNvPicPr>
+          <p:nvPr/>
+        </p:nvPicPr>
+        <p:blipFill>
+          <a:blip r:embed="rId4">
+            <a:extLst>
+              <a:ext uri="{28A0092B-C50C-407E-A947-70E740481C1C}">
+                <a14:useLocalDpi xmlns:a14="http://schemas.microsoft.com/office/drawing/2010/main" val="0"/>
+              </a:ext>
+            </a:extLst>
+          </a:blip>
+          <a:stretch>
+            <a:fillRect/>
+          </a:stretch>
+        </p:blipFill>
+        <p:spPr>
+          <a:xfrm>
+            <a:off x="224446" y="1715975"/>
+            <a:ext cx="3467618" cy="3467618"/>
+          </a:xfrm>
+          <a:prstGeom prst="rect">
+            <a:avLst/>
+          </a:prstGeom>
+        </p:spPr>
+      </p:pic>
+    </p:spTree>
+    <p:extLst>
+      <p:ext uri="{BB962C8B-B14F-4D97-AF65-F5344CB8AC3E}">
+        <p14:creationId xmlns:p14="http://schemas.microsoft.com/office/powerpoint/2010/main" val="1019884308"/>
+      </p:ext>
+    </p:extLst>
+  </p:cSld>
+  <p:clrMapOvr>
+    <a:masterClrMapping/>
+  </p:clrMapOvr>
+  <p:timing>
+    <p:tnLst>
+      <p:par>
+        <p:cTn id="1" dur="indefinite" restart="never" nodeType="tmRoot"/>
+      </p:par>
+    </p:tnLst>
+  </p:timing>
+</p:sld>
+</file>
+
+<file path=ppt/slides/slide3.xml><?xml version="1.0" encoding="utf-8"?>
+<p:sld xmlns:a="http://schemas.openxmlformats.org/drawingml/2006/main" xmlns:r="http://schemas.openxmlformats.org/officeDocument/2006/relationships" xmlns:p="http://schemas.openxmlformats.org/presentationml/2006/main">
+  <p:cSld>
+    <p:spTree>
+      <p:nvGrpSpPr>
+        <p:cNvPr id="1" name=""/>
+        <p:cNvGrpSpPr/>
+        <p:nvPr/>
+      </p:nvGrpSpPr>
+      <p:grpSpPr>
+        <a:xfrm>
+          <a:off x="0" y="0"/>
+          <a:ext cx="0" cy="0"/>
+          <a:chOff x="0" y="0"/>
+          <a:chExt cx="0" cy="0"/>
+        </a:xfrm>
+      </p:grpSpPr>
       <p:sp>
         <p:nvSpPr>
           <p:cNvPr id="3" name="Скругленный прямоугольник 2"/>
@@ -3181,7 +3720,7 @@
         </p:nvSpPr>
         <p:spPr>
           <a:xfrm>
-            <a:off x="9887954" y="635348"/>
+            <a:off x="7526273" y="635193"/>
             <a:ext cx="1812175" cy="1197033"/>
           </a:xfrm>
           <a:prstGeom prst="roundRect">
@@ -3266,7 +3805,7 @@
         </p:nvSpPr>
         <p:spPr>
           <a:xfrm>
-            <a:off x="5164592" y="635350"/>
+            <a:off x="9883830" y="635347"/>
             <a:ext cx="1812175" cy="1197033"/>
           </a:xfrm>
           <a:prstGeom prst="roundRect">
@@ -3716,7 +4255,7 @@
         </p:nvSpPr>
         <p:spPr>
           <a:xfrm>
-            <a:off x="7526273" y="635349"/>
+            <a:off x="5160469" y="635194"/>
             <a:ext cx="1812175" cy="1197033"/>
           </a:xfrm>
           <a:prstGeom prst="roundRect">
@@ -3841,9 +4380,9 @@
           <p:nvPr/>
         </p:nvCxnSpPr>
         <p:spPr>
-          <a:xfrm>
-            <a:off x="4615086" y="1233867"/>
-            <a:ext cx="549506" cy="0"/>
+          <a:xfrm flipV="1">
+            <a:off x="4615086" y="1233864"/>
+            <a:ext cx="5268744" cy="3"/>
           </a:xfrm>
           <a:prstGeom prst="straightConnector1">
             <a:avLst/>
@@ -3896,9 +4435,9 @@
           <p:nvPr/>
         </p:nvCxnSpPr>
         <p:spPr>
-          <a:xfrm flipV="1">
-            <a:off x="6976767" y="1233866"/>
-            <a:ext cx="549506" cy="1"/>
+          <a:xfrm flipH="1" flipV="1">
+            <a:off x="5160469" y="1233711"/>
+            <a:ext cx="6535536" cy="153"/>
           </a:xfrm>
           <a:prstGeom prst="straightConnector1">
             <a:avLst/>
@@ -3952,8 +4491,8 @@
         </p:nvCxnSpPr>
         <p:spPr>
           <a:xfrm flipV="1">
-            <a:off x="9338448" y="1233865"/>
-            <a:ext cx="549506" cy="1"/>
+            <a:off x="6972644" y="1233710"/>
+            <a:ext cx="553629" cy="1"/>
           </a:xfrm>
           <a:prstGeom prst="straightConnector1">
             <a:avLst/>
@@ -4007,8 +4546,8 @@
         </p:nvCxnSpPr>
         <p:spPr>
           <a:xfrm>
-            <a:off x="10794042" y="1832381"/>
-            <a:ext cx="0" cy="906933"/>
+            <a:off x="8432361" y="1832226"/>
+            <a:ext cx="2361681" cy="907088"/>
           </a:xfrm>
           <a:prstGeom prst="straightConnector1">
             <a:avLst/>
@@ -4127,15 +4666,15 @@
         <p:nvCxnSpPr>
           <p:cNvPr id="163" name="Прямая со стрелкой 162"/>
           <p:cNvCxnSpPr>
-            <a:stCxn id="4" idx="3"/>
+            <a:stCxn id="5" idx="3"/>
             <a:endCxn id="6" idx="1"/>
           </p:cNvCxnSpPr>
           <p:nvPr/>
         </p:nvCxnSpPr>
         <p:spPr>
           <a:xfrm>
-            <a:off x="4615086" y="1233867"/>
-            <a:ext cx="549506" cy="0"/>
+            <a:off x="9338448" y="1233710"/>
+            <a:ext cx="545382" cy="154"/>
           </a:xfrm>
           <a:prstGeom prst="straightConnector1">
             <a:avLst/>
@@ -4163,15 +4702,15 @@
         <p:nvCxnSpPr>
           <p:cNvPr id="165" name="Прямая со стрелкой 164"/>
           <p:cNvCxnSpPr>
-            <a:stCxn id="6" idx="3"/>
+            <a:stCxn id="4" idx="3"/>
             <a:endCxn id="54" idx="1"/>
           </p:cNvCxnSpPr>
           <p:nvPr/>
         </p:nvCxnSpPr>
         <p:spPr>
           <a:xfrm flipV="1">
-            <a:off x="6976767" y="1233866"/>
-            <a:ext cx="549506" cy="1"/>
+            <a:off x="4615086" y="1233711"/>
+            <a:ext cx="545383" cy="156"/>
           </a:xfrm>
           <a:prstGeom prst="straightConnector1">
             <a:avLst/>
@@ -4206,8 +4745,8 @@
         </p:nvCxnSpPr>
         <p:spPr>
           <a:xfrm flipV="1">
-            <a:off x="9338448" y="1233865"/>
-            <a:ext cx="549506" cy="1"/>
+            <a:off x="6972644" y="1233710"/>
+            <a:ext cx="553629" cy="1"/>
           </a:xfrm>
           <a:prstGeom prst="straightConnector1">
             <a:avLst/>
@@ -4235,15 +4774,15 @@
         <p:nvCxnSpPr>
           <p:cNvPr id="172" name="Прямая со стрелкой 171"/>
           <p:cNvCxnSpPr>
-            <a:stCxn id="5" idx="2"/>
+            <a:stCxn id="6" idx="2"/>
             <a:endCxn id="9" idx="0"/>
           </p:cNvCxnSpPr>
           <p:nvPr/>
         </p:nvCxnSpPr>
         <p:spPr>
           <a:xfrm>
-            <a:off x="10794042" y="1832381"/>
-            <a:ext cx="0" cy="906933"/>
+            <a:off x="10789918" y="1832380"/>
+            <a:ext cx="4124" cy="906934"/>
           </a:xfrm>
           <a:prstGeom prst="straightConnector1">
             <a:avLst/>
